--- a/fig/3-new-planner/TriangleDef.pptx
+++ b/fig/3-new-planner/TriangleDef.pptx
@@ -243,7 +243,7 @@
           <a:p>
             <a:fld id="{8E3EF90E-3D4D-4829-B9FB-A1A4E2D0DB54}" type="datetimeFigureOut">
               <a:rPr kumimoji="1" lang="ja-JP" altLang="en-US" smtClean="0"/>
-              <a:t>2023/1/13</a:t>
+              <a:t>2023/2/6</a:t>
             </a:fld>
             <a:endParaRPr kumimoji="1" lang="ja-JP" altLang="en-US"/>
           </a:p>
@@ -445,7 +445,7 @@
           <a:p>
             <a:fld id="{8E3EF90E-3D4D-4829-B9FB-A1A4E2D0DB54}" type="datetimeFigureOut">
               <a:rPr kumimoji="1" lang="ja-JP" altLang="en-US" smtClean="0"/>
-              <a:t>2023/1/13</a:t>
+              <a:t>2023/2/6</a:t>
             </a:fld>
             <a:endParaRPr kumimoji="1" lang="ja-JP" altLang="en-US"/>
           </a:p>
@@ -657,7 +657,7 @@
           <a:p>
             <a:fld id="{8E3EF90E-3D4D-4829-B9FB-A1A4E2D0DB54}" type="datetimeFigureOut">
               <a:rPr kumimoji="1" lang="ja-JP" altLang="en-US" smtClean="0"/>
-              <a:t>2023/1/13</a:t>
+              <a:t>2023/2/6</a:t>
             </a:fld>
             <a:endParaRPr kumimoji="1" lang="ja-JP" altLang="en-US"/>
           </a:p>
@@ -859,7 +859,7 @@
           <a:p>
             <a:fld id="{8E3EF90E-3D4D-4829-B9FB-A1A4E2D0DB54}" type="datetimeFigureOut">
               <a:rPr kumimoji="1" lang="ja-JP" altLang="en-US" smtClean="0"/>
-              <a:t>2023/1/13</a:t>
+              <a:t>2023/2/6</a:t>
             </a:fld>
             <a:endParaRPr kumimoji="1" lang="ja-JP" altLang="en-US"/>
           </a:p>
@@ -1103,7 +1103,7 @@
           <a:p>
             <a:fld id="{8E3EF90E-3D4D-4829-B9FB-A1A4E2D0DB54}" type="datetimeFigureOut">
               <a:rPr kumimoji="1" lang="ja-JP" altLang="en-US" smtClean="0"/>
-              <a:t>2023/1/13</a:t>
+              <a:t>2023/2/6</a:t>
             </a:fld>
             <a:endParaRPr kumimoji="1" lang="ja-JP" altLang="en-US"/>
           </a:p>
@@ -1399,7 +1399,7 @@
           <a:p>
             <a:fld id="{8E3EF90E-3D4D-4829-B9FB-A1A4E2D0DB54}" type="datetimeFigureOut">
               <a:rPr kumimoji="1" lang="ja-JP" altLang="en-US" smtClean="0"/>
-              <a:t>2023/1/13</a:t>
+              <a:t>2023/2/6</a:t>
             </a:fld>
             <a:endParaRPr kumimoji="1" lang="ja-JP" altLang="en-US"/>
           </a:p>
@@ -1830,7 +1830,7 @@
           <a:p>
             <a:fld id="{8E3EF90E-3D4D-4829-B9FB-A1A4E2D0DB54}" type="datetimeFigureOut">
               <a:rPr kumimoji="1" lang="ja-JP" altLang="en-US" smtClean="0"/>
-              <a:t>2023/1/13</a:t>
+              <a:t>2023/2/6</a:t>
             </a:fld>
             <a:endParaRPr kumimoji="1" lang="ja-JP" altLang="en-US"/>
           </a:p>
@@ -1948,7 +1948,7 @@
           <a:p>
             <a:fld id="{8E3EF90E-3D4D-4829-B9FB-A1A4E2D0DB54}" type="datetimeFigureOut">
               <a:rPr kumimoji="1" lang="ja-JP" altLang="en-US" smtClean="0"/>
-              <a:t>2023/1/13</a:t>
+              <a:t>2023/2/6</a:t>
             </a:fld>
             <a:endParaRPr kumimoji="1" lang="ja-JP" altLang="en-US"/>
           </a:p>
@@ -2043,7 +2043,7 @@
           <a:p>
             <a:fld id="{8E3EF90E-3D4D-4829-B9FB-A1A4E2D0DB54}" type="datetimeFigureOut">
               <a:rPr kumimoji="1" lang="ja-JP" altLang="en-US" smtClean="0"/>
-              <a:t>2023/1/13</a:t>
+              <a:t>2023/2/6</a:t>
             </a:fld>
             <a:endParaRPr kumimoji="1" lang="ja-JP" altLang="en-US"/>
           </a:p>
@@ -2352,7 +2352,7 @@
           <a:p>
             <a:fld id="{8E3EF90E-3D4D-4829-B9FB-A1A4E2D0DB54}" type="datetimeFigureOut">
               <a:rPr kumimoji="1" lang="ja-JP" altLang="en-US" smtClean="0"/>
-              <a:t>2023/1/13</a:t>
+              <a:t>2023/2/6</a:t>
             </a:fld>
             <a:endParaRPr kumimoji="1" lang="ja-JP" altLang="en-US"/>
           </a:p>
@@ -2609,7 +2609,7 @@
           <a:p>
             <a:fld id="{8E3EF90E-3D4D-4829-B9FB-A1A4E2D0DB54}" type="datetimeFigureOut">
               <a:rPr kumimoji="1" lang="ja-JP" altLang="en-US" smtClean="0"/>
-              <a:t>2023/1/13</a:t>
+              <a:t>2023/2/6</a:t>
             </a:fld>
             <a:endParaRPr kumimoji="1" lang="ja-JP" altLang="en-US"/>
           </a:p>
@@ -2854,7 +2854,7 @@
           <a:p>
             <a:fld id="{8E3EF90E-3D4D-4829-B9FB-A1A4E2D0DB54}" type="datetimeFigureOut">
               <a:rPr kumimoji="1" lang="ja-JP" altLang="en-US" smtClean="0"/>
-              <a:t>2023/1/13</a:t>
+              <a:t>2023/2/6</a:t>
             </a:fld>
             <a:endParaRPr kumimoji="1" lang="ja-JP" altLang="en-US"/>
           </a:p>
@@ -3259,8 +3259,8 @@
           <a:chExt cx="0" cy="0"/>
         </a:xfrm>
       </p:grpSpPr>
-      <mc:AlternateContent xmlns:mc="http://schemas.openxmlformats.org/markup-compatibility/2006">
-        <mc:Choice xmlns:a14="http://schemas.microsoft.com/office/drawing/2010/main" Requires="a14">
+      <mc:AlternateContent xmlns:mc="http://schemas.openxmlformats.org/markup-compatibility/2006" xmlns:a14="http://schemas.microsoft.com/office/drawing/2010/main">
+        <mc:Choice Requires="a14">
           <p:sp>
             <p:nvSpPr>
               <p:cNvPr id="5" name="テキスト ボックス 4">
@@ -3310,7 +3310,7 @@
             </p:txBody>
           </p:sp>
         </mc:Choice>
-        <mc:Fallback>
+        <mc:Fallback xmlns="">
           <p:sp>
             <p:nvSpPr>
               <p:cNvPr id="5" name="テキスト ボックス 4">
@@ -3803,6 +3803,7 @@
               </a:bodyPr>
               <a:lstStyle/>
               <a:p>
+                <a:pPr/>
                 <a14:m>
                   <m:oMathPara xmlns:m="http://schemas.openxmlformats.org/officeDocument/2006/math">
                     <m:oMathParaPr>
@@ -3838,7 +3839,19 @@
                         <a:rPr kumimoji="1" lang="en-US" altLang="ja-JP" sz="3200" b="0" i="1" smtClean="0">
                           <a:latin typeface="Cambria Math" panose="02040503050406030204" pitchFamily="18" charset="0"/>
                         </a:rPr>
-                        <m:t>=100</m:t>
+                        <m:t>=1</m:t>
+                      </m:r>
+                      <m:r>
+                        <a:rPr kumimoji="1" lang="en-US" altLang="ja-JP" sz="3200" b="0" i="1" smtClean="0">
+                          <a:latin typeface="Cambria Math" panose="02040503050406030204" pitchFamily="18" charset="0"/>
+                        </a:rPr>
+                        <m:t>5</m:t>
+                      </m:r>
+                      <m:r>
+                        <a:rPr kumimoji="1" lang="en-US" altLang="ja-JP" sz="3200" b="0" i="1" smtClean="0">
+                          <a:latin typeface="Cambria Math" panose="02040503050406030204" pitchFamily="18" charset="0"/>
+                        </a:rPr>
+                        <m:t>0</m:t>
                       </m:r>
                     </m:oMath>
                   </m:oMathPara>
@@ -3923,6 +3936,7 @@
               </a:bodyPr>
               <a:lstStyle/>
               <a:p>
+                <a:pPr/>
                 <a14:m>
                   <m:oMathPara xmlns:m="http://schemas.openxmlformats.org/officeDocument/2006/math">
                     <m:oMathParaPr>
@@ -3958,7 +3972,19 @@
                         <a:rPr kumimoji="1" lang="en-US" altLang="ja-JP" sz="3200" b="0" i="1" smtClean="0">
                           <a:latin typeface="Cambria Math" panose="02040503050406030204" pitchFamily="18" charset="0"/>
                         </a:rPr>
-                        <m:t>=100</m:t>
+                        <m:t>=1</m:t>
+                      </m:r>
+                      <m:r>
+                        <a:rPr kumimoji="1" lang="en-US" altLang="ja-JP" sz="3200" i="1">
+                          <a:latin typeface="Cambria Math" panose="02040503050406030204" pitchFamily="18" charset="0"/>
+                        </a:rPr>
+                        <m:t>5</m:t>
+                      </m:r>
+                      <m:r>
+                        <a:rPr kumimoji="1" lang="en-US" altLang="ja-JP" sz="3200" b="0" i="1" smtClean="0">
+                          <a:latin typeface="Cambria Math" panose="02040503050406030204" pitchFamily="18" charset="0"/>
+                        </a:rPr>
+                        <m:t>0</m:t>
                       </m:r>
                     </m:oMath>
                   </m:oMathPara>
@@ -4043,6 +4069,7 @@
               </a:bodyPr>
               <a:lstStyle/>
               <a:p>
+                <a:pPr/>
                 <a14:m>
                   <m:oMathPara xmlns:m="http://schemas.openxmlformats.org/officeDocument/2006/math">
                     <m:oMathParaPr>
@@ -4078,7 +4105,19 @@
                         <a:rPr kumimoji="1" lang="en-US" altLang="ja-JP" sz="3200" b="0" i="1" smtClean="0">
                           <a:latin typeface="Cambria Math" panose="02040503050406030204" pitchFamily="18" charset="0"/>
                         </a:rPr>
-                        <m:t>=100</m:t>
+                        <m:t>=1</m:t>
+                      </m:r>
+                      <m:r>
+                        <a:rPr kumimoji="1" lang="en-US" altLang="ja-JP" sz="3200" b="0" i="1" smtClean="0">
+                          <a:latin typeface="Cambria Math" panose="02040503050406030204" pitchFamily="18" charset="0"/>
+                        </a:rPr>
+                        <m:t>5</m:t>
+                      </m:r>
+                      <m:r>
+                        <a:rPr kumimoji="1" lang="en-US" altLang="ja-JP" sz="3200" b="0" i="1" smtClean="0">
+                          <a:latin typeface="Cambria Math" panose="02040503050406030204" pitchFamily="18" charset="0"/>
+                        </a:rPr>
+                        <m:t>0</m:t>
                       </m:r>
                     </m:oMath>
                   </m:oMathPara>
